--- a/MDM04-Typologies.pptx
+++ b/MDM04-Typologies.pptx
@@ -5,24 +5,27 @@
     <p:sldMasterId id="2147483653" r:id="rId1"/>
   </p:sldMasterIdLst>
   <p:notesMasterIdLst>
-    <p:notesMasterId r:id="rId14"/>
+    <p:notesMasterId r:id="rId17"/>
   </p:notesMasterIdLst>
   <p:handoutMasterIdLst>
-    <p:handoutMasterId r:id="rId15"/>
+    <p:handoutMasterId r:id="rId18"/>
   </p:handoutMasterIdLst>
   <p:sldIdLst>
     <p:sldId id="264" r:id="rId2"/>
-    <p:sldId id="265" r:id="rId3"/>
-    <p:sldId id="266" r:id="rId4"/>
-    <p:sldId id="267" r:id="rId5"/>
-    <p:sldId id="271" r:id="rId6"/>
-    <p:sldId id="272" r:id="rId7"/>
-    <p:sldId id="273" r:id="rId8"/>
-    <p:sldId id="322" r:id="rId9"/>
-    <p:sldId id="327" r:id="rId10"/>
-    <p:sldId id="328" r:id="rId11"/>
-    <p:sldId id="274" r:id="rId12"/>
-    <p:sldId id="275" r:id="rId13"/>
+    <p:sldId id="344" r:id="rId3"/>
+    <p:sldId id="265" r:id="rId4"/>
+    <p:sldId id="266" r:id="rId5"/>
+    <p:sldId id="267" r:id="rId6"/>
+    <p:sldId id="271" r:id="rId7"/>
+    <p:sldId id="272" r:id="rId8"/>
+    <p:sldId id="273" r:id="rId9"/>
+    <p:sldId id="322" r:id="rId10"/>
+    <p:sldId id="327" r:id="rId11"/>
+    <p:sldId id="328" r:id="rId12"/>
+    <p:sldId id="274" r:id="rId13"/>
+    <p:sldId id="275" r:id="rId14"/>
+    <p:sldId id="343" r:id="rId15"/>
+    <p:sldId id="345" r:id="rId16"/>
   </p:sldIdLst>
   <p:sldSz cx="9144000" cy="6858000" type="screen4x3"/>
   <p:notesSz cx="6648450" cy="9782175"/>
@@ -2893,12 +2896,8 @@
               <a:defRPr/>
             </a:pPr>
             <a:r>
-              <a:rPr lang="fr-FR" sz="1600" dirty="0" err="1"/>
-              <a:t>Big</a:t>
-            </a:r>
-            <a:r>
-              <a:rPr lang="fr-FR" sz="1600" dirty="0"/>
-              <a:t> Data</a:t>
+              <a:rPr lang="fr-FR" sz="1600"/>
+              <a:t>MDM</a:t>
             </a:r>
             <a:endParaRPr lang="fr-FR" dirty="0">
               <a:latin typeface="Times New Roman" pitchFamily="18" charset="0"/>
@@ -3768,6 +3767,122 @@
           <a:lstStyle/>
           <a:p>
             <a:r>
+              <a:rPr lang="fr-FR" dirty="0" err="1"/>
+              <a:t>IoT</a:t>
+            </a:r>
+            <a:endParaRPr lang="fr-FR" dirty="0"/>
+          </a:p>
+        </p:txBody>
+      </p:sp>
+      <p:sp>
+        <p:nvSpPr>
+          <p:cNvPr id="3" name="Espace réservé du contenu 2"/>
+          <p:cNvSpPr>
+            <a:spLocks noGrp="1"/>
+          </p:cNvSpPr>
+          <p:nvPr>
+            <p:ph idx="1"/>
+          </p:nvPr>
+        </p:nvSpPr>
+        <p:spPr/>
+        <p:txBody>
+          <a:bodyPr/>
+          <a:lstStyle/>
+          <a:p>
+            <a:r>
+              <a:rPr lang="fr-FR" dirty="0"/>
+              <a:t>Les objets connectés sont une autre source de données brutes, qui récupèrent un grand nombre de données grâce à leurs capteurs</a:t>
+            </a:r>
+          </a:p>
+        </p:txBody>
+      </p:sp>
+      <p:pic>
+        <p:nvPicPr>
+          <p:cNvPr id="2050" name="Picture 2" descr="Un exemple d'objet connecté : le thermostat intelligent de l'entreprise Nest. Source: http://nest.com"/>
+          <p:cNvPicPr>
+            <a:picLocks noChangeAspect="1" noChangeArrowheads="1"/>
+          </p:cNvPicPr>
+          <p:nvPr/>
+        </p:nvPicPr>
+        <p:blipFill>
+          <a:blip r:embed="rId2">
+            <a:extLst>
+              <a:ext uri="{28A0092B-C50C-407E-A947-70E740481C1C}">
+                <a14:useLocalDpi xmlns:a14="http://schemas.microsoft.com/office/drawing/2010/main" val="0"/>
+              </a:ext>
+            </a:extLst>
+          </a:blip>
+          <a:srcRect/>
+          <a:stretch>
+            <a:fillRect/>
+          </a:stretch>
+        </p:blipFill>
+        <p:spPr bwMode="auto">
+          <a:xfrm>
+            <a:off x="2411760" y="2924944"/>
+            <a:ext cx="4762500" cy="3333750"/>
+          </a:xfrm>
+          <a:prstGeom prst="rect">
+            <a:avLst/>
+          </a:prstGeom>
+          <a:noFill/>
+          <a:extLst>
+            <a:ext uri="{909E8E84-426E-40DD-AFC4-6F175D3DCCD1}">
+              <a14:hiddenFill xmlns:a14="http://schemas.microsoft.com/office/drawing/2010/main">
+                <a:solidFill>
+                  <a:srgbClr val="FFFFFF"/>
+                </a:solidFill>
+              </a14:hiddenFill>
+            </a:ext>
+          </a:extLst>
+        </p:spPr>
+      </p:pic>
+    </p:spTree>
+    <p:extLst>
+      <p:ext uri="{BB962C8B-B14F-4D97-AF65-F5344CB8AC3E}">
+        <p14:creationId xmlns:p14="http://schemas.microsoft.com/office/powerpoint/2010/main" val="3345682040"/>
+      </p:ext>
+    </p:extLst>
+  </p:cSld>
+  <p:clrMapOvr>
+    <a:masterClrMapping/>
+  </p:clrMapOvr>
+</p:sld>
+</file>
+
+<file path=ppt/slides/slide11.xml><?xml version="1.0" encoding="utf-8"?>
+<p:sld xmlns:a="http://schemas.openxmlformats.org/drawingml/2006/main" xmlns:r="http://schemas.openxmlformats.org/officeDocument/2006/relationships" xmlns:p="http://schemas.openxmlformats.org/presentationml/2006/main">
+  <p:cSld>
+    <p:spTree>
+      <p:nvGrpSpPr>
+        <p:cNvPr id="1" name=""/>
+        <p:cNvGrpSpPr/>
+        <p:nvPr/>
+      </p:nvGrpSpPr>
+      <p:grpSpPr>
+        <a:xfrm>
+          <a:off x="0" y="0"/>
+          <a:ext cx="0" cy="0"/>
+          <a:chOff x="0" y="0"/>
+          <a:chExt cx="0" cy="0"/>
+        </a:xfrm>
+      </p:grpSpPr>
+      <p:sp>
+        <p:nvSpPr>
+          <p:cNvPr id="2" name="Titre 1"/>
+          <p:cNvSpPr>
+            <a:spLocks noGrp="1"/>
+          </p:cNvSpPr>
+          <p:nvPr>
+            <p:ph type="title"/>
+          </p:nvPr>
+        </p:nvSpPr>
+        <p:spPr/>
+        <p:txBody>
+          <a:bodyPr/>
+          <a:lstStyle/>
+          <a:p>
+            <a:r>
               <a:rPr lang="fr-FR" dirty="0"/>
               <a:t>Exemple des loyers</a:t>
             </a:r>
@@ -3830,7 +3945,7 @@
 </p:sld>
 </file>
 
-<file path=ppt/slides/slide11.xml><?xml version="1.0" encoding="utf-8"?>
+<file path=ppt/slides/slide12.xml><?xml version="1.0" encoding="utf-8"?>
 <p:sld xmlns:a="http://schemas.openxmlformats.org/drawingml/2006/main" xmlns:r="http://schemas.openxmlformats.org/officeDocument/2006/relationships" xmlns:p="http://schemas.openxmlformats.org/presentationml/2006/main">
   <p:cSld>
     <p:spTree>
@@ -3925,7 +4040,7 @@
 </p:sld>
 </file>
 
-<file path=ppt/slides/slide12.xml><?xml version="1.0" encoding="utf-8"?>
+<file path=ppt/slides/slide13.xml><?xml version="1.0" encoding="utf-8"?>
 <p:sld xmlns:a="http://schemas.openxmlformats.org/drawingml/2006/main" xmlns:r="http://schemas.openxmlformats.org/officeDocument/2006/relationships" xmlns:p="http://schemas.openxmlformats.org/presentationml/2006/main">
   <p:cSld>
     <p:spTree>
@@ -4052,7 +4167,398 @@
 </p:sld>
 </file>
 
+<file path=ppt/slides/slide14.xml><?xml version="1.0" encoding="utf-8"?>
+<p:sld xmlns:a="http://schemas.openxmlformats.org/drawingml/2006/main" xmlns:r="http://schemas.openxmlformats.org/officeDocument/2006/relationships" xmlns:p="http://schemas.openxmlformats.org/presentationml/2006/main">
+  <p:cSld>
+    <p:spTree>
+      <p:nvGrpSpPr>
+        <p:cNvPr id="1" name=""/>
+        <p:cNvGrpSpPr/>
+        <p:nvPr/>
+      </p:nvGrpSpPr>
+      <p:grpSpPr>
+        <a:xfrm>
+          <a:off x="0" y="0"/>
+          <a:ext cx="0" cy="0"/>
+          <a:chOff x="0" y="0"/>
+          <a:chExt cx="0" cy="0"/>
+        </a:xfrm>
+      </p:grpSpPr>
+      <p:sp>
+        <p:nvSpPr>
+          <p:cNvPr id="2" name="Titre 1">
+            <a:extLst>
+              <a:ext uri="{FF2B5EF4-FFF2-40B4-BE49-F238E27FC236}">
+                <a16:creationId xmlns:a16="http://schemas.microsoft.com/office/drawing/2014/main" id="{097D66F9-E288-8E28-E8F6-6DA243176D2E}"/>
+              </a:ext>
+            </a:extLst>
+          </p:cNvPr>
+          <p:cNvSpPr>
+            <a:spLocks noGrp="1"/>
+          </p:cNvSpPr>
+          <p:nvPr>
+            <p:ph type="title"/>
+          </p:nvPr>
+        </p:nvSpPr>
+        <p:spPr/>
+        <p:txBody>
+          <a:bodyPr/>
+          <a:lstStyle/>
+          <a:p>
+            <a:r>
+              <a:rPr lang="fr-FR" dirty="0"/>
+              <a:t>Les différents types de base de données</a:t>
+            </a:r>
+          </a:p>
+        </p:txBody>
+      </p:sp>
+      <p:sp>
+        <p:nvSpPr>
+          <p:cNvPr id="3" name="Espace réservé du contenu 2">
+            <a:extLst>
+              <a:ext uri="{FF2B5EF4-FFF2-40B4-BE49-F238E27FC236}">
+                <a16:creationId xmlns:a16="http://schemas.microsoft.com/office/drawing/2014/main" id="{E7AD7BD4-5055-F3CF-2F2B-00A9EDDDA5A2}"/>
+              </a:ext>
+            </a:extLst>
+          </p:cNvPr>
+          <p:cNvSpPr>
+            <a:spLocks noGrp="1"/>
+          </p:cNvSpPr>
+          <p:nvPr>
+            <p:ph idx="1"/>
+          </p:nvPr>
+        </p:nvSpPr>
+        <p:spPr/>
+        <p:txBody>
+          <a:bodyPr/>
+          <a:lstStyle/>
+          <a:p>
+            <a:r>
+              <a:rPr lang="fr-FR" dirty="0"/>
+              <a:t>Base de données</a:t>
+            </a:r>
+          </a:p>
+          <a:p>
+            <a:pPr lvl="1"/>
+            <a:r>
+              <a:rPr lang="fr-FR" dirty="0"/>
+              <a:t>Stockage des données</a:t>
+            </a:r>
+          </a:p>
+          <a:p>
+            <a:pPr lvl="1"/>
+            <a:r>
+              <a:rPr lang="fr-FR" dirty="0"/>
+              <a:t>Fiable, permet de retrouvé facilement la données</a:t>
+            </a:r>
+          </a:p>
+          <a:p>
+            <a:r>
+              <a:rPr lang="fr-FR" dirty="0"/>
+              <a:t>Structurée</a:t>
+            </a:r>
+          </a:p>
+          <a:p>
+            <a:pPr lvl="1"/>
+            <a:r>
+              <a:rPr lang="fr-FR" dirty="0"/>
+              <a:t>Tabulaire : </a:t>
+            </a:r>
+            <a:r>
+              <a:rPr lang="fr-FR" dirty="0" err="1"/>
+              <a:t>Sql</a:t>
+            </a:r>
+            <a:endParaRPr lang="fr-FR" dirty="0"/>
+          </a:p>
+          <a:p>
+            <a:r>
+              <a:rPr lang="fr-FR" dirty="0"/>
+              <a:t>Non structurée</a:t>
+            </a:r>
+          </a:p>
+          <a:p>
+            <a:pPr lvl="1"/>
+            <a:r>
+              <a:rPr lang="fr-FR" dirty="0"/>
+              <a:t>Filesystem, Big Data, Hadoop</a:t>
+            </a:r>
+          </a:p>
+          <a:p>
+            <a:r>
+              <a:rPr lang="fr-FR" dirty="0"/>
+              <a:t>Semi structuré</a:t>
+            </a:r>
+          </a:p>
+          <a:p>
+            <a:pPr lvl="1"/>
+            <a:r>
+              <a:rPr lang="fr-FR" dirty="0"/>
+              <a:t>JSON, XML, </a:t>
+            </a:r>
+            <a:r>
+              <a:rPr lang="fr-FR" dirty="0" err="1"/>
+              <a:t>MongoDb</a:t>
+            </a:r>
+            <a:endParaRPr lang="fr-FR" dirty="0"/>
+          </a:p>
+        </p:txBody>
+      </p:sp>
+    </p:spTree>
+    <p:extLst>
+      <p:ext uri="{BB962C8B-B14F-4D97-AF65-F5344CB8AC3E}">
+        <p14:creationId xmlns:p14="http://schemas.microsoft.com/office/powerpoint/2010/main" val="1568262475"/>
+      </p:ext>
+    </p:extLst>
+  </p:cSld>
+  <p:clrMapOvr>
+    <a:masterClrMapping/>
+  </p:clrMapOvr>
+</p:sld>
+</file>
+
+<file path=ppt/slides/slide15.xml><?xml version="1.0" encoding="utf-8"?>
+<p:sld xmlns:a="http://schemas.openxmlformats.org/drawingml/2006/main" xmlns:r="http://schemas.openxmlformats.org/officeDocument/2006/relationships" xmlns:p="http://schemas.openxmlformats.org/presentationml/2006/main">
+  <p:cSld>
+    <p:spTree>
+      <p:nvGrpSpPr>
+        <p:cNvPr id="1" name=""/>
+        <p:cNvGrpSpPr/>
+        <p:nvPr/>
+      </p:nvGrpSpPr>
+      <p:grpSpPr>
+        <a:xfrm>
+          <a:off x="0" y="0"/>
+          <a:ext cx="0" cy="0"/>
+          <a:chOff x="0" y="0"/>
+          <a:chExt cx="0" cy="0"/>
+        </a:xfrm>
+      </p:grpSpPr>
+      <p:sp>
+        <p:nvSpPr>
+          <p:cNvPr id="2" name="Titre 1">
+            <a:extLst>
+              <a:ext uri="{FF2B5EF4-FFF2-40B4-BE49-F238E27FC236}">
+                <a16:creationId xmlns:a16="http://schemas.microsoft.com/office/drawing/2014/main" id="{0F6BAF54-86CC-87DD-76BA-BF00E9B79BD0}"/>
+              </a:ext>
+            </a:extLst>
+          </p:cNvPr>
+          <p:cNvSpPr>
+            <a:spLocks noGrp="1"/>
+          </p:cNvSpPr>
+          <p:nvPr>
+            <p:ph type="title"/>
+          </p:nvPr>
+        </p:nvSpPr>
+        <p:spPr/>
+        <p:txBody>
+          <a:bodyPr/>
+          <a:lstStyle/>
+          <a:p>
+            <a:r>
+              <a:rPr lang="fr-FR" dirty="0"/>
+              <a:t>Cycle de vie</a:t>
+            </a:r>
+          </a:p>
+        </p:txBody>
+      </p:sp>
+      <p:sp>
+        <p:nvSpPr>
+          <p:cNvPr id="3" name="Espace réservé du contenu 2">
+            <a:extLst>
+              <a:ext uri="{FF2B5EF4-FFF2-40B4-BE49-F238E27FC236}">
+                <a16:creationId xmlns:a16="http://schemas.microsoft.com/office/drawing/2014/main" id="{71EEEE10-5455-E415-7334-370E6698ECAD}"/>
+              </a:ext>
+            </a:extLst>
+          </p:cNvPr>
+          <p:cNvSpPr>
+            <a:spLocks noGrp="1"/>
+          </p:cNvSpPr>
+          <p:nvPr>
+            <p:ph idx="1"/>
+          </p:nvPr>
+        </p:nvSpPr>
+        <p:spPr/>
+        <p:txBody>
+          <a:bodyPr/>
+          <a:lstStyle/>
+          <a:p>
+            <a:endParaRPr lang="fr-FR"/>
+          </a:p>
+        </p:txBody>
+      </p:sp>
+      <p:pic>
+        <p:nvPicPr>
+          <p:cNvPr id="1026" name="Picture 2" descr="Data Life Cycle">
+            <a:extLst>
+              <a:ext uri="{FF2B5EF4-FFF2-40B4-BE49-F238E27FC236}">
+                <a16:creationId xmlns:a16="http://schemas.microsoft.com/office/drawing/2014/main" id="{E2796AE9-8780-6E55-8E4E-147C31E14ABA}"/>
+              </a:ext>
+            </a:extLst>
+          </p:cNvPr>
+          <p:cNvPicPr>
+            <a:picLocks noChangeAspect="1" noChangeArrowheads="1"/>
+          </p:cNvPicPr>
+          <p:nvPr/>
+        </p:nvPicPr>
+        <p:blipFill>
+          <a:blip r:embed="rId2">
+            <a:extLst>
+              <a:ext uri="{28A0092B-C50C-407E-A947-70E740481C1C}">
+                <a14:useLocalDpi xmlns:a14="http://schemas.microsoft.com/office/drawing/2010/main" val="0"/>
+              </a:ext>
+            </a:extLst>
+          </a:blip>
+          <a:srcRect/>
+          <a:stretch>
+            <a:fillRect/>
+          </a:stretch>
+        </p:blipFill>
+        <p:spPr bwMode="auto">
+          <a:xfrm>
+            <a:off x="1835696" y="908720"/>
+            <a:ext cx="5733256" cy="5733256"/>
+          </a:xfrm>
+          <a:prstGeom prst="rect">
+            <a:avLst/>
+          </a:prstGeom>
+          <a:noFill/>
+          <a:extLst>
+            <a:ext uri="{909E8E84-426E-40DD-AFC4-6F175D3DCCD1}">
+              <a14:hiddenFill xmlns:a14="http://schemas.microsoft.com/office/drawing/2010/main">
+                <a:solidFill>
+                  <a:srgbClr val="FFFFFF"/>
+                </a:solidFill>
+              </a14:hiddenFill>
+            </a:ext>
+          </a:extLst>
+        </p:spPr>
+      </p:pic>
+    </p:spTree>
+    <p:extLst>
+      <p:ext uri="{BB962C8B-B14F-4D97-AF65-F5344CB8AC3E}">
+        <p14:creationId xmlns:p14="http://schemas.microsoft.com/office/powerpoint/2010/main" val="1481692236"/>
+      </p:ext>
+    </p:extLst>
+  </p:cSld>
+  <p:clrMapOvr>
+    <a:masterClrMapping/>
+  </p:clrMapOvr>
+</p:sld>
+</file>
+
 <file path=ppt/slides/slide2.xml><?xml version="1.0" encoding="utf-8"?>
+<p:sld xmlns:a="http://schemas.openxmlformats.org/drawingml/2006/main" xmlns:r="http://schemas.openxmlformats.org/officeDocument/2006/relationships" xmlns:p="http://schemas.openxmlformats.org/presentationml/2006/main">
+  <p:cSld>
+    <p:spTree>
+      <p:nvGrpSpPr>
+        <p:cNvPr id="1" name=""/>
+        <p:cNvGrpSpPr/>
+        <p:nvPr/>
+      </p:nvGrpSpPr>
+      <p:grpSpPr>
+        <a:xfrm>
+          <a:off x="0" y="0"/>
+          <a:ext cx="0" cy="0"/>
+          <a:chOff x="0" y="0"/>
+          <a:chExt cx="0" cy="0"/>
+        </a:xfrm>
+      </p:grpSpPr>
+      <p:sp>
+        <p:nvSpPr>
+          <p:cNvPr id="2" name="Titre 1">
+            <a:extLst>
+              <a:ext uri="{FF2B5EF4-FFF2-40B4-BE49-F238E27FC236}">
+                <a16:creationId xmlns:a16="http://schemas.microsoft.com/office/drawing/2014/main" id="{4FDD4210-B75F-4E33-CD4A-0179C7FB8273}"/>
+              </a:ext>
+            </a:extLst>
+          </p:cNvPr>
+          <p:cNvSpPr>
+            <a:spLocks noGrp="1"/>
+          </p:cNvSpPr>
+          <p:nvPr>
+            <p:ph type="title"/>
+          </p:nvPr>
+        </p:nvSpPr>
+        <p:spPr/>
+        <p:txBody>
+          <a:bodyPr/>
+          <a:lstStyle/>
+          <a:p>
+            <a:r>
+              <a:rPr lang="fr-FR" dirty="0"/>
+              <a:t>2 types</a:t>
+            </a:r>
+          </a:p>
+        </p:txBody>
+      </p:sp>
+      <p:sp>
+        <p:nvSpPr>
+          <p:cNvPr id="3" name="Espace réservé du contenu 2">
+            <a:extLst>
+              <a:ext uri="{FF2B5EF4-FFF2-40B4-BE49-F238E27FC236}">
+                <a16:creationId xmlns:a16="http://schemas.microsoft.com/office/drawing/2014/main" id="{AB02F1B4-A99B-AEFD-8904-E1EE98326093}"/>
+              </a:ext>
+            </a:extLst>
+          </p:cNvPr>
+          <p:cNvSpPr>
+            <a:spLocks noGrp="1"/>
+          </p:cNvSpPr>
+          <p:nvPr>
+            <p:ph idx="1"/>
+          </p:nvPr>
+        </p:nvSpPr>
+        <p:spPr/>
+        <p:txBody>
+          <a:bodyPr/>
+          <a:lstStyle/>
+          <a:p>
+            <a:r>
+              <a:rPr lang="fr-FR" dirty="0"/>
+              <a:t>On peut distinguer deux grandes familles de données :</a:t>
+            </a:r>
+          </a:p>
+          <a:p>
+            <a:pPr lvl="1"/>
+            <a:r>
+              <a:rPr lang="fr-FR" dirty="0"/>
+              <a:t>Celles qui ne nous concernent pas directement en tant qu’être humain. </a:t>
+            </a:r>
+            <a:r>
+              <a:rPr lang="fr-FR"/>
+              <a:t>Il </a:t>
+            </a:r>
+            <a:r>
+              <a:rPr lang="fr-FR" dirty="0"/>
+              <a:t>s’agit principalement des données d’ordre technique et scientifique ;</a:t>
+            </a:r>
+          </a:p>
+          <a:p>
+            <a:pPr lvl="1"/>
+            <a:r>
+              <a:rPr lang="fr-FR"/>
+              <a:t>celles </a:t>
+            </a:r>
+            <a:r>
+              <a:rPr lang="fr-FR" dirty="0"/>
+              <a:t>dont nous sommes en réalité la matière première. Il s’agit des données que nous fournissons, volontairement ou pas tout au long de notre vie quotidienne. Il peut s’agir de nos déplacements, de la musique que l’on écoute, des séries qu'on regarde, de ce qu'on achète, de ce qu'on lit, des sites Web que l’on visite ou des photos que l’on poste sur son réseau social préféré.</a:t>
+            </a:r>
+          </a:p>
+        </p:txBody>
+      </p:sp>
+    </p:spTree>
+    <p:extLst>
+      <p:ext uri="{BB962C8B-B14F-4D97-AF65-F5344CB8AC3E}">
+        <p14:creationId xmlns:p14="http://schemas.microsoft.com/office/powerpoint/2010/main" val="3455868540"/>
+      </p:ext>
+    </p:extLst>
+  </p:cSld>
+  <p:clrMapOvr>
+    <a:masterClrMapping/>
+  </p:clrMapOvr>
+</p:sld>
+</file>
+
+<file path=ppt/slides/slide3.xml><?xml version="1.0" encoding="utf-8"?>
 <p:sld xmlns:a="http://schemas.openxmlformats.org/drawingml/2006/main" xmlns:r="http://schemas.openxmlformats.org/officeDocument/2006/relationships" xmlns:p="http://schemas.openxmlformats.org/presentationml/2006/main">
   <p:cSld>
     <p:spTree>
@@ -4204,7 +4710,7 @@
 </p:sld>
 </file>
 
-<file path=ppt/slides/slide3.xml><?xml version="1.0" encoding="utf-8"?>
+<file path=ppt/slides/slide4.xml><?xml version="1.0" encoding="utf-8"?>
 <p:sld xmlns:a="http://schemas.openxmlformats.org/drawingml/2006/main" xmlns:r="http://schemas.openxmlformats.org/officeDocument/2006/relationships" xmlns:p="http://schemas.openxmlformats.org/presentationml/2006/main">
   <p:cSld>
     <p:spTree>
@@ -4284,12 +4790,30 @@
           </a:p>
           <a:p>
             <a:r>
+              <a:rPr lang="fr-FR" dirty="0"/>
+              <a:t>FTP</a:t>
+            </a:r>
+          </a:p>
+          <a:p>
+            <a:r>
+              <a:rPr lang="fr-FR" dirty="0"/>
+              <a:t>Mail</a:t>
+            </a:r>
+          </a:p>
+          <a:p>
+            <a:r>
+              <a:rPr lang="fr-FR" dirty="0"/>
+              <a:t>OS</a:t>
+            </a:r>
+          </a:p>
+          <a:p>
+            <a:r>
               <a:rPr lang="fr-FR"/>
-              <a:t>??</a:t>
-            </a:r>
-          </a:p>
-          <a:p>
-            <a:endParaRPr lang="fr-FR"/>
+              <a:t>Push, Pull</a:t>
+            </a:r>
+          </a:p>
+          <a:p>
+            <a:endParaRPr lang="fr-FR" dirty="0"/>
           </a:p>
         </p:txBody>
       </p:sp>
@@ -4306,7 +4830,7 @@
 </p:sld>
 </file>
 
-<file path=ppt/slides/slide4.xml><?xml version="1.0" encoding="utf-8"?>
+<file path=ppt/slides/slide5.xml><?xml version="1.0" encoding="utf-8"?>
 <p:sld xmlns:a="http://schemas.openxmlformats.org/drawingml/2006/main" xmlns:r="http://schemas.openxmlformats.org/officeDocument/2006/relationships" xmlns:p="http://schemas.openxmlformats.org/presentationml/2006/main">
   <p:cSld>
     <p:spTree>
@@ -4420,7 +4944,7 @@
 </p:sld>
 </file>
 
-<file path=ppt/slides/slide5.xml><?xml version="1.0" encoding="utf-8"?>
+<file path=ppt/slides/slide6.xml><?xml version="1.0" encoding="utf-8"?>
 <p:sld xmlns:a="http://schemas.openxmlformats.org/drawingml/2006/main" xmlns:r="http://schemas.openxmlformats.org/officeDocument/2006/relationships" xmlns:p="http://schemas.openxmlformats.org/presentationml/2006/main">
   <p:cSld>
     <p:spTree>
@@ -4515,7 +5039,7 @@
 </p:sld>
 </file>
 
-<file path=ppt/slides/slide6.xml><?xml version="1.0" encoding="utf-8"?>
+<file path=ppt/slides/slide7.xml><?xml version="1.0" encoding="utf-8"?>
 <p:sld xmlns:a="http://schemas.openxmlformats.org/drawingml/2006/main" xmlns:r="http://schemas.openxmlformats.org/officeDocument/2006/relationships" xmlns:p="http://schemas.openxmlformats.org/presentationml/2006/main">
   <p:cSld>
     <p:spTree>
@@ -4600,7 +5124,7 @@
 </p:sld>
 </file>
 
-<file path=ppt/slides/slide7.xml><?xml version="1.0" encoding="utf-8"?>
+<file path=ppt/slides/slide8.xml><?xml version="1.0" encoding="utf-8"?>
 <p:sld xmlns:a="http://schemas.openxmlformats.org/drawingml/2006/main" xmlns:r="http://schemas.openxmlformats.org/officeDocument/2006/relationships" xmlns:p="http://schemas.openxmlformats.org/presentationml/2006/main">
   <p:cSld>
     <p:spTree>
@@ -4678,7 +5202,7 @@
 </p:sld>
 </file>
 
-<file path=ppt/slides/slide8.xml><?xml version="1.0" encoding="utf-8"?>
+<file path=ppt/slides/slide9.xml><?xml version="1.0" encoding="utf-8"?>
 <p:sld xmlns:a="http://schemas.openxmlformats.org/drawingml/2006/main" xmlns:r="http://schemas.openxmlformats.org/officeDocument/2006/relationships" xmlns:p="http://schemas.openxmlformats.org/presentationml/2006/main">
   <p:cSld>
     <p:spTree>
@@ -4781,122 +5305,6 @@
     <p:extLst>
       <p:ext uri="{BB962C8B-B14F-4D97-AF65-F5344CB8AC3E}">
         <p14:creationId xmlns:p14="http://schemas.microsoft.com/office/powerpoint/2010/main" val="4141096005"/>
-      </p:ext>
-    </p:extLst>
-  </p:cSld>
-  <p:clrMapOvr>
-    <a:masterClrMapping/>
-  </p:clrMapOvr>
-</p:sld>
-</file>
-
-<file path=ppt/slides/slide9.xml><?xml version="1.0" encoding="utf-8"?>
-<p:sld xmlns:a="http://schemas.openxmlformats.org/drawingml/2006/main" xmlns:r="http://schemas.openxmlformats.org/officeDocument/2006/relationships" xmlns:p="http://schemas.openxmlformats.org/presentationml/2006/main">
-  <p:cSld>
-    <p:spTree>
-      <p:nvGrpSpPr>
-        <p:cNvPr id="1" name=""/>
-        <p:cNvGrpSpPr/>
-        <p:nvPr/>
-      </p:nvGrpSpPr>
-      <p:grpSpPr>
-        <a:xfrm>
-          <a:off x="0" y="0"/>
-          <a:ext cx="0" cy="0"/>
-          <a:chOff x="0" y="0"/>
-          <a:chExt cx="0" cy="0"/>
-        </a:xfrm>
-      </p:grpSpPr>
-      <p:sp>
-        <p:nvSpPr>
-          <p:cNvPr id="2" name="Titre 1"/>
-          <p:cNvSpPr>
-            <a:spLocks noGrp="1"/>
-          </p:cNvSpPr>
-          <p:nvPr>
-            <p:ph type="title"/>
-          </p:nvPr>
-        </p:nvSpPr>
-        <p:spPr/>
-        <p:txBody>
-          <a:bodyPr/>
-          <a:lstStyle/>
-          <a:p>
-            <a:r>
-              <a:rPr lang="fr-FR" dirty="0" err="1"/>
-              <a:t>IoT</a:t>
-            </a:r>
-            <a:endParaRPr lang="fr-FR" dirty="0"/>
-          </a:p>
-        </p:txBody>
-      </p:sp>
-      <p:sp>
-        <p:nvSpPr>
-          <p:cNvPr id="3" name="Espace réservé du contenu 2"/>
-          <p:cNvSpPr>
-            <a:spLocks noGrp="1"/>
-          </p:cNvSpPr>
-          <p:nvPr>
-            <p:ph idx="1"/>
-          </p:nvPr>
-        </p:nvSpPr>
-        <p:spPr/>
-        <p:txBody>
-          <a:bodyPr/>
-          <a:lstStyle/>
-          <a:p>
-            <a:r>
-              <a:rPr lang="fr-FR" dirty="0"/>
-              <a:t>Les objets connectés sont une autre source de données brutes, qui récupèrent un grand nombre de données grâce à leurs capteurs</a:t>
-            </a:r>
-          </a:p>
-        </p:txBody>
-      </p:sp>
-      <p:pic>
-        <p:nvPicPr>
-          <p:cNvPr id="2050" name="Picture 2" descr="Un exemple d'objet connecté : le thermostat intelligent de l'entreprise Nest. Source: http://nest.com"/>
-          <p:cNvPicPr>
-            <a:picLocks noChangeAspect="1" noChangeArrowheads="1"/>
-          </p:cNvPicPr>
-          <p:nvPr/>
-        </p:nvPicPr>
-        <p:blipFill>
-          <a:blip r:embed="rId2">
-            <a:extLst>
-              <a:ext uri="{28A0092B-C50C-407E-A947-70E740481C1C}">
-                <a14:useLocalDpi xmlns:a14="http://schemas.microsoft.com/office/drawing/2010/main" val="0"/>
-              </a:ext>
-            </a:extLst>
-          </a:blip>
-          <a:srcRect/>
-          <a:stretch>
-            <a:fillRect/>
-          </a:stretch>
-        </p:blipFill>
-        <p:spPr bwMode="auto">
-          <a:xfrm>
-            <a:off x="2411760" y="2924944"/>
-            <a:ext cx="4762500" cy="3333750"/>
-          </a:xfrm>
-          <a:prstGeom prst="rect">
-            <a:avLst/>
-          </a:prstGeom>
-          <a:noFill/>
-          <a:extLst>
-            <a:ext uri="{909E8E84-426E-40DD-AFC4-6F175D3DCCD1}">
-              <a14:hiddenFill xmlns:a14="http://schemas.microsoft.com/office/drawing/2010/main">
-                <a:solidFill>
-                  <a:srgbClr val="FFFFFF"/>
-                </a:solidFill>
-              </a14:hiddenFill>
-            </a:ext>
-          </a:extLst>
-        </p:spPr>
-      </p:pic>
-    </p:spTree>
-    <p:extLst>
-      <p:ext uri="{BB962C8B-B14F-4D97-AF65-F5344CB8AC3E}">
-        <p14:creationId xmlns:p14="http://schemas.microsoft.com/office/powerpoint/2010/main" val="3345682040"/>
       </p:ext>
     </p:extLst>
   </p:cSld>

--- a/MDM04-Typologies.pptx
+++ b/MDM04-Typologies.pptx
@@ -4898,7 +4898,7 @@
           <a:p>
             <a:r>
               <a:rPr lang="fr-FR" dirty="0"/>
-              <a:t>Données brute</a:t>
+              <a:t>Données brutes</a:t>
             </a:r>
           </a:p>
           <a:p>
@@ -4911,9 +4911,10 @@
           </a:p>
           <a:p>
             <a:r>
-              <a:rPr lang="fr-FR" dirty="0"/>
-              <a:t>Données traitée</a:t>
-            </a:r>
+              <a:rPr lang="fr-FR"/>
+              <a:t>Données traitées</a:t>
+            </a:r>
+            <a:endParaRPr lang="fr-FR" dirty="0"/>
           </a:p>
           <a:p>
             <a:pPr lvl="1"/>
@@ -4925,7 +4926,7 @@
           <a:p>
             <a:pPr lvl="1"/>
             <a:r>
-              <a:rPr lang="fr-FR"/>
+              <a:rPr lang="fr-FR" dirty="0"/>
               <a:t>Datawarehouse</a:t>
             </a:r>
           </a:p>

--- a/MDM04-Typologies.pptx
+++ b/MDM04-Typologies.pptx
@@ -5107,7 +5107,15 @@
           <a:p>
             <a:r>
               <a:rPr lang="fr-FR" dirty="0"/>
-              <a:t>Les ouvres complètes de Victor Hugo</a:t>
+              <a:t>Les </a:t>
+            </a:r>
+            <a:r>
+              <a:rPr lang="fr-FR" dirty="0" err="1"/>
+              <a:t>oeuvres</a:t>
+            </a:r>
+            <a:r>
+              <a:rPr lang="fr-FR" dirty="0"/>
+              <a:t> complètes de Victor Hugo</a:t>
             </a:r>
           </a:p>
         </p:txBody>
